--- a/NetWork/pics.pptx
+++ b/NetWork/pics.pptx
@@ -7,6 +7,8 @@
   <p:sldIdLst>
     <p:sldId id="256" r:id="rId2"/>
     <p:sldId id="257" r:id="rId3"/>
+    <p:sldId id="258" r:id="rId4"/>
+    <p:sldId id="259" r:id="rId5"/>
   </p:sldIdLst>
   <p:sldSz cx="12192000" cy="6858000"/>
   <p:notesSz cx="6858000" cy="9144000"/>
@@ -260,7 +262,7 @@
           <a:p>
             <a:fld id="{62550151-6287-446E-B1FC-3B423A863CA5}" type="datetimeFigureOut">
               <a:rPr lang="zh-CN" altLang="en-US" smtClean="0"/>
-              <a:t>2021/4/27</a:t>
+              <a:t>2021/4/28</a:t>
             </a:fld>
             <a:endParaRPr lang="zh-CN" altLang="en-US"/>
           </a:p>
@@ -458,7 +460,7 @@
           <a:p>
             <a:fld id="{62550151-6287-446E-B1FC-3B423A863CA5}" type="datetimeFigureOut">
               <a:rPr lang="zh-CN" altLang="en-US" smtClean="0"/>
-              <a:t>2021/4/27</a:t>
+              <a:t>2021/4/28</a:t>
             </a:fld>
             <a:endParaRPr lang="zh-CN" altLang="en-US"/>
           </a:p>
@@ -666,7 +668,7 @@
           <a:p>
             <a:fld id="{62550151-6287-446E-B1FC-3B423A863CA5}" type="datetimeFigureOut">
               <a:rPr lang="zh-CN" altLang="en-US" smtClean="0"/>
-              <a:t>2021/4/27</a:t>
+              <a:t>2021/4/28</a:t>
             </a:fld>
             <a:endParaRPr lang="zh-CN" altLang="en-US"/>
           </a:p>
@@ -864,7 +866,7 @@
           <a:p>
             <a:fld id="{62550151-6287-446E-B1FC-3B423A863CA5}" type="datetimeFigureOut">
               <a:rPr lang="zh-CN" altLang="en-US" smtClean="0"/>
-              <a:t>2021/4/27</a:t>
+              <a:t>2021/4/28</a:t>
             </a:fld>
             <a:endParaRPr lang="zh-CN" altLang="en-US"/>
           </a:p>
@@ -1139,7 +1141,7 @@
           <a:p>
             <a:fld id="{62550151-6287-446E-B1FC-3B423A863CA5}" type="datetimeFigureOut">
               <a:rPr lang="zh-CN" altLang="en-US" smtClean="0"/>
-              <a:t>2021/4/27</a:t>
+              <a:t>2021/4/28</a:t>
             </a:fld>
             <a:endParaRPr lang="zh-CN" altLang="en-US"/>
           </a:p>
@@ -1404,7 +1406,7 @@
           <a:p>
             <a:fld id="{62550151-6287-446E-B1FC-3B423A863CA5}" type="datetimeFigureOut">
               <a:rPr lang="zh-CN" altLang="en-US" smtClean="0"/>
-              <a:t>2021/4/27</a:t>
+              <a:t>2021/4/28</a:t>
             </a:fld>
             <a:endParaRPr lang="zh-CN" altLang="en-US"/>
           </a:p>
@@ -1816,7 +1818,7 @@
           <a:p>
             <a:fld id="{62550151-6287-446E-B1FC-3B423A863CA5}" type="datetimeFigureOut">
               <a:rPr lang="zh-CN" altLang="en-US" smtClean="0"/>
-              <a:t>2021/4/27</a:t>
+              <a:t>2021/4/28</a:t>
             </a:fld>
             <a:endParaRPr lang="zh-CN" altLang="en-US"/>
           </a:p>
@@ -1957,7 +1959,7 @@
           <a:p>
             <a:fld id="{62550151-6287-446E-B1FC-3B423A863CA5}" type="datetimeFigureOut">
               <a:rPr lang="zh-CN" altLang="en-US" smtClean="0"/>
-              <a:t>2021/4/27</a:t>
+              <a:t>2021/4/28</a:t>
             </a:fld>
             <a:endParaRPr lang="zh-CN" altLang="en-US"/>
           </a:p>
@@ -2070,7 +2072,7 @@
           <a:p>
             <a:fld id="{62550151-6287-446E-B1FC-3B423A863CA5}" type="datetimeFigureOut">
               <a:rPr lang="zh-CN" altLang="en-US" smtClean="0"/>
-              <a:t>2021/4/27</a:t>
+              <a:t>2021/4/28</a:t>
             </a:fld>
             <a:endParaRPr lang="zh-CN" altLang="en-US"/>
           </a:p>
@@ -2381,7 +2383,7 @@
           <a:p>
             <a:fld id="{62550151-6287-446E-B1FC-3B423A863CA5}" type="datetimeFigureOut">
               <a:rPr lang="zh-CN" altLang="en-US" smtClean="0"/>
-              <a:t>2021/4/27</a:t>
+              <a:t>2021/4/28</a:t>
             </a:fld>
             <a:endParaRPr lang="zh-CN" altLang="en-US"/>
           </a:p>
@@ -2669,7 +2671,7 @@
           <a:p>
             <a:fld id="{62550151-6287-446E-B1FC-3B423A863CA5}" type="datetimeFigureOut">
               <a:rPr lang="zh-CN" altLang="en-US" smtClean="0"/>
-              <a:t>2021/4/27</a:t>
+              <a:t>2021/4/28</a:t>
             </a:fld>
             <a:endParaRPr lang="zh-CN" altLang="en-US"/>
           </a:p>
@@ -2910,7 +2912,7 @@
           <a:p>
             <a:fld id="{62550151-6287-446E-B1FC-3B423A863CA5}" type="datetimeFigureOut">
               <a:rPr lang="zh-CN" altLang="en-US" smtClean="0"/>
-              <a:t>2021/4/27</a:t>
+              <a:t>2021/4/28</a:t>
             </a:fld>
             <a:endParaRPr lang="zh-CN" altLang="en-US"/>
           </a:p>
@@ -4808,10 +4810,2026 @@
       </p:grpSpPr>
       <p:sp>
         <p:nvSpPr>
+          <p:cNvPr id="4" name="矩形 3">
+            <a:extLst>
+              <a:ext uri="{FF2B5EF4-FFF2-40B4-BE49-F238E27FC236}">
+                <a16:creationId xmlns:a16="http://schemas.microsoft.com/office/drawing/2014/main" id="{0D0D8B3E-A7DF-46AF-8FBA-B39756FEDF0F}"/>
+              </a:ext>
+            </a:extLst>
+          </p:cNvPr>
+          <p:cNvSpPr/>
+          <p:nvPr/>
+        </p:nvSpPr>
+        <p:spPr>
+          <a:xfrm flipH="1">
+            <a:off x="3410358" y="1589103"/>
+            <a:ext cx="309387" cy="3400147"/>
+          </a:xfrm>
+          <a:prstGeom prst="rect">
+            <a:avLst/>
+          </a:prstGeom>
+        </p:spPr>
+        <p:style>
+          <a:lnRef idx="2">
+            <a:schemeClr val="dk1"/>
+          </a:lnRef>
+          <a:fillRef idx="1">
+            <a:schemeClr val="lt1"/>
+          </a:fillRef>
+          <a:effectRef idx="0">
+            <a:schemeClr val="dk1"/>
+          </a:effectRef>
+          <a:fontRef idx="minor">
+            <a:schemeClr val="dk1"/>
+          </a:fontRef>
+        </p:style>
+        <p:txBody>
+          <a:bodyPr rtlCol="0" anchor="ctr"/>
+          <a:lstStyle/>
+          <a:p>
+            <a:pPr algn="ctr"/>
+            <a:endParaRPr lang="zh-CN" altLang="en-US"/>
+          </a:p>
+        </p:txBody>
+      </p:sp>
+      <p:sp>
+        <p:nvSpPr>
+          <p:cNvPr id="5" name="矩形 4">
+            <a:extLst>
+              <a:ext uri="{FF2B5EF4-FFF2-40B4-BE49-F238E27FC236}">
+                <a16:creationId xmlns:a16="http://schemas.microsoft.com/office/drawing/2014/main" id="{6E13E402-48EB-4A26-84CC-818E9FB41FBA}"/>
+              </a:ext>
+            </a:extLst>
+          </p:cNvPr>
+          <p:cNvSpPr/>
+          <p:nvPr/>
+        </p:nvSpPr>
+        <p:spPr>
+          <a:xfrm>
+            <a:off x="7174641" y="1589103"/>
+            <a:ext cx="309387" cy="3400147"/>
+          </a:xfrm>
+          <a:prstGeom prst="rect">
+            <a:avLst/>
+          </a:prstGeom>
+        </p:spPr>
+        <p:style>
+          <a:lnRef idx="2">
+            <a:schemeClr val="dk1"/>
+          </a:lnRef>
+          <a:fillRef idx="1">
+            <a:schemeClr val="lt1"/>
+          </a:fillRef>
+          <a:effectRef idx="0">
+            <a:schemeClr val="dk1"/>
+          </a:effectRef>
+          <a:fontRef idx="minor">
+            <a:schemeClr val="dk1"/>
+          </a:fontRef>
+        </p:style>
+        <p:txBody>
+          <a:bodyPr rtlCol="0" anchor="ctr"/>
+          <a:lstStyle/>
+          <a:p>
+            <a:pPr algn="ctr"/>
+            <a:endParaRPr lang="zh-CN" altLang="en-US"/>
+          </a:p>
+        </p:txBody>
+      </p:sp>
+      <p:sp>
+        <p:nvSpPr>
+          <p:cNvPr id="6" name="文本框 5">
+            <a:extLst>
+              <a:ext uri="{FF2B5EF4-FFF2-40B4-BE49-F238E27FC236}">
+                <a16:creationId xmlns:a16="http://schemas.microsoft.com/office/drawing/2014/main" id="{895C5B89-D450-4F5B-9E9C-D9E454774C08}"/>
+              </a:ext>
+            </a:extLst>
+          </p:cNvPr>
+          <p:cNvSpPr txBox="1"/>
+          <p:nvPr/>
+        </p:nvSpPr>
+        <p:spPr>
+          <a:xfrm>
+            <a:off x="3011784" y="1170757"/>
+            <a:ext cx="1249277" cy="400110"/>
+          </a:xfrm>
+          <a:prstGeom prst="rect">
+            <a:avLst/>
+          </a:prstGeom>
+          <a:noFill/>
+        </p:spPr>
+        <p:txBody>
+          <a:bodyPr wrap="square" rtlCol="0">
+            <a:spAutoFit/>
+          </a:bodyPr>
+          <a:lstStyle/>
+          <a:p>
+            <a:r>
+              <a:rPr lang="en-US" altLang="zh-CN" sz="2000" b="1" dirty="0">
+                <a:latin typeface="Courier New" panose="02070309020205020404" pitchFamily="49" charset="0"/>
+                <a:ea typeface="仿宋" panose="02010609060101010101" pitchFamily="49" charset="-122"/>
+                <a:cs typeface="Courier New" panose="02070309020205020404" pitchFamily="49" charset="0"/>
+              </a:rPr>
+              <a:t>client</a:t>
+            </a:r>
+            <a:endParaRPr lang="zh-CN" altLang="en-US" sz="2000" b="1" dirty="0">
+              <a:latin typeface="Courier New" panose="02070309020205020404" pitchFamily="49" charset="0"/>
+              <a:ea typeface="仿宋" panose="02010609060101010101" pitchFamily="49" charset="-122"/>
+              <a:cs typeface="Courier New" panose="02070309020205020404" pitchFamily="49" charset="0"/>
+            </a:endParaRPr>
+          </a:p>
+        </p:txBody>
+      </p:sp>
+      <p:sp>
+        <p:nvSpPr>
+          <p:cNvPr id="7" name="文本框 6">
+            <a:extLst>
+              <a:ext uri="{FF2B5EF4-FFF2-40B4-BE49-F238E27FC236}">
+                <a16:creationId xmlns:a16="http://schemas.microsoft.com/office/drawing/2014/main" id="{65684DAF-BD4C-4F2C-8D57-EBE6B177B1AF}"/>
+              </a:ext>
+            </a:extLst>
+          </p:cNvPr>
+          <p:cNvSpPr txBox="1"/>
+          <p:nvPr/>
+        </p:nvSpPr>
+        <p:spPr>
+          <a:xfrm>
+            <a:off x="6816416" y="1170757"/>
+            <a:ext cx="1249277" cy="400110"/>
+          </a:xfrm>
+          <a:prstGeom prst="rect">
+            <a:avLst/>
+          </a:prstGeom>
+          <a:noFill/>
+        </p:spPr>
+        <p:txBody>
+          <a:bodyPr wrap="square" rtlCol="0">
+            <a:spAutoFit/>
+          </a:bodyPr>
+          <a:lstStyle/>
+          <a:p>
+            <a:r>
+              <a:rPr lang="en-US" altLang="zh-CN" sz="2000" b="1" dirty="0">
+                <a:latin typeface="Courier New" panose="02070309020205020404" pitchFamily="49" charset="0"/>
+                <a:ea typeface="仿宋" panose="02010609060101010101" pitchFamily="49" charset="-122"/>
+                <a:cs typeface="Courier New" panose="02070309020205020404" pitchFamily="49" charset="0"/>
+              </a:rPr>
+              <a:t>server</a:t>
+            </a:r>
+            <a:endParaRPr lang="zh-CN" altLang="en-US" sz="2000" b="1" dirty="0">
+              <a:latin typeface="Courier New" panose="02070309020205020404" pitchFamily="49" charset="0"/>
+              <a:ea typeface="仿宋" panose="02010609060101010101" pitchFamily="49" charset="-122"/>
+              <a:cs typeface="Courier New" panose="02070309020205020404" pitchFamily="49" charset="0"/>
+            </a:endParaRPr>
+          </a:p>
+        </p:txBody>
+      </p:sp>
+      <p:sp>
+        <p:nvSpPr>
+          <p:cNvPr id="8" name="文本框 7">
+            <a:extLst>
+              <a:ext uri="{FF2B5EF4-FFF2-40B4-BE49-F238E27FC236}">
+                <a16:creationId xmlns:a16="http://schemas.microsoft.com/office/drawing/2014/main" id="{C98F9436-1617-42A1-8E7C-AED642CA1AE2}"/>
+              </a:ext>
+            </a:extLst>
+          </p:cNvPr>
+          <p:cNvSpPr txBox="1"/>
+          <p:nvPr/>
+        </p:nvSpPr>
+        <p:spPr>
+          <a:xfrm>
+            <a:off x="7393693" y="2738487"/>
+            <a:ext cx="1739875" cy="369332"/>
+          </a:xfrm>
+          <a:prstGeom prst="rect">
+            <a:avLst/>
+          </a:prstGeom>
+          <a:noFill/>
+        </p:spPr>
+        <p:txBody>
+          <a:bodyPr wrap="square" rtlCol="0">
+            <a:spAutoFit/>
+          </a:bodyPr>
+          <a:lstStyle/>
+          <a:p>
+            <a:r>
+              <a:rPr lang="en-US" altLang="zh-CN" dirty="0">
+                <a:latin typeface="Courier New" panose="02070309020205020404" pitchFamily="49" charset="0"/>
+                <a:ea typeface="仿宋" panose="02010609060101010101" pitchFamily="49" charset="-122"/>
+                <a:cs typeface="Courier New" panose="02070309020205020404" pitchFamily="49" charset="0"/>
+              </a:rPr>
+              <a:t>SYN_RCVD</a:t>
+            </a:r>
+            <a:endParaRPr lang="zh-CN" altLang="en-US" dirty="0">
+              <a:latin typeface="Courier New" panose="02070309020205020404" pitchFamily="49" charset="0"/>
+              <a:ea typeface="仿宋" panose="02010609060101010101" pitchFamily="49" charset="-122"/>
+              <a:cs typeface="Courier New" panose="02070309020205020404" pitchFamily="49" charset="0"/>
+            </a:endParaRPr>
+          </a:p>
+        </p:txBody>
+      </p:sp>
+      <p:sp>
+        <p:nvSpPr>
+          <p:cNvPr id="9" name="文本框 8">
+            <a:extLst>
+              <a:ext uri="{FF2B5EF4-FFF2-40B4-BE49-F238E27FC236}">
+                <a16:creationId xmlns:a16="http://schemas.microsoft.com/office/drawing/2014/main" id="{1E45B1C9-E99B-4FBC-9668-DC161014E037}"/>
+              </a:ext>
+            </a:extLst>
+          </p:cNvPr>
+          <p:cNvSpPr txBox="1"/>
+          <p:nvPr/>
+        </p:nvSpPr>
+        <p:spPr>
+          <a:xfrm>
+            <a:off x="7257498" y="1651439"/>
+            <a:ext cx="1498759" cy="646331"/>
+          </a:xfrm>
+          <a:prstGeom prst="rect">
+            <a:avLst/>
+          </a:prstGeom>
+          <a:noFill/>
+        </p:spPr>
+        <p:txBody>
+          <a:bodyPr wrap="square" rtlCol="0">
+            <a:spAutoFit/>
+          </a:bodyPr>
+          <a:lstStyle/>
+          <a:p>
+            <a:pPr algn="ctr"/>
+            <a:r>
+              <a:rPr lang="zh-CN" altLang="en-US" dirty="0">
+                <a:latin typeface="Courier New" panose="02070309020205020404" pitchFamily="49" charset="0"/>
+                <a:ea typeface="仿宋" panose="02010609060101010101" pitchFamily="49" charset="-122"/>
+                <a:cs typeface="Courier New" panose="02070309020205020404" pitchFamily="49" charset="0"/>
+              </a:rPr>
+              <a:t>被动打开</a:t>
+            </a:r>
+            <a:r>
+              <a:rPr lang="en-US" altLang="zh-CN" dirty="0">
+                <a:latin typeface="Courier New" panose="02070309020205020404" pitchFamily="49" charset="0"/>
+                <a:ea typeface="仿宋" panose="02010609060101010101" pitchFamily="49" charset="-122"/>
+                <a:cs typeface="Courier New" panose="02070309020205020404" pitchFamily="49" charset="0"/>
+              </a:rPr>
+              <a:t>listen</a:t>
+            </a:r>
+            <a:endParaRPr lang="zh-CN" altLang="en-US" dirty="0">
+              <a:latin typeface="Courier New" panose="02070309020205020404" pitchFamily="49" charset="0"/>
+              <a:ea typeface="仿宋" panose="02010609060101010101" pitchFamily="49" charset="-122"/>
+              <a:cs typeface="Courier New" panose="02070309020205020404" pitchFamily="49" charset="0"/>
+            </a:endParaRPr>
+          </a:p>
+        </p:txBody>
+      </p:sp>
+      <p:sp>
+        <p:nvSpPr>
+          <p:cNvPr id="10" name="文本框 9">
+            <a:extLst>
+              <a:ext uri="{FF2B5EF4-FFF2-40B4-BE49-F238E27FC236}">
+                <a16:creationId xmlns:a16="http://schemas.microsoft.com/office/drawing/2014/main" id="{3EE0733D-C1CC-4DE4-A2D1-6C7550F0AAF3}"/>
+              </a:ext>
+            </a:extLst>
+          </p:cNvPr>
+          <p:cNvSpPr txBox="1"/>
+          <p:nvPr/>
+        </p:nvSpPr>
+        <p:spPr>
+          <a:xfrm>
+            <a:off x="2415402" y="1497689"/>
+            <a:ext cx="1047565" cy="369332"/>
+          </a:xfrm>
+          <a:prstGeom prst="rect">
+            <a:avLst/>
+          </a:prstGeom>
+          <a:noFill/>
+        </p:spPr>
+        <p:txBody>
+          <a:bodyPr wrap="square" rtlCol="0">
+            <a:spAutoFit/>
+          </a:bodyPr>
+          <a:lstStyle/>
+          <a:p>
+            <a:r>
+              <a:rPr lang="en-US" altLang="zh-CN" dirty="0">
+                <a:latin typeface="Courier New" panose="02070309020205020404" pitchFamily="49" charset="0"/>
+                <a:ea typeface="仿宋" panose="02010609060101010101" pitchFamily="49" charset="-122"/>
+                <a:cs typeface="Courier New" panose="02070309020205020404" pitchFamily="49" charset="0"/>
+              </a:rPr>
+              <a:t>closed</a:t>
+            </a:r>
+            <a:endParaRPr lang="zh-CN" altLang="en-US" dirty="0">
+              <a:latin typeface="Courier New" panose="02070309020205020404" pitchFamily="49" charset="0"/>
+              <a:ea typeface="仿宋" panose="02010609060101010101" pitchFamily="49" charset="-122"/>
+              <a:cs typeface="Courier New" panose="02070309020205020404" pitchFamily="49" charset="0"/>
+            </a:endParaRPr>
+          </a:p>
+        </p:txBody>
+      </p:sp>
+      <p:sp>
+        <p:nvSpPr>
+          <p:cNvPr id="11" name="文本框 10">
+            <a:extLst>
+              <a:ext uri="{FF2B5EF4-FFF2-40B4-BE49-F238E27FC236}">
+                <a16:creationId xmlns:a16="http://schemas.microsoft.com/office/drawing/2014/main" id="{C1F5A3C8-49EB-4873-BA63-4240660975D7}"/>
+              </a:ext>
+            </a:extLst>
+          </p:cNvPr>
+          <p:cNvSpPr txBox="1"/>
+          <p:nvPr/>
+        </p:nvSpPr>
+        <p:spPr>
+          <a:xfrm>
+            <a:off x="2137083" y="2009141"/>
+            <a:ext cx="1457267" cy="646331"/>
+          </a:xfrm>
+          <a:prstGeom prst="rect">
+            <a:avLst/>
+          </a:prstGeom>
+          <a:noFill/>
+        </p:spPr>
+        <p:txBody>
+          <a:bodyPr wrap="square" rtlCol="0">
+            <a:spAutoFit/>
+          </a:bodyPr>
+          <a:lstStyle/>
+          <a:p>
+            <a:pPr algn="ctr"/>
+            <a:r>
+              <a:rPr lang="zh-CN" altLang="en-US" dirty="0">
+                <a:latin typeface="Courier New" panose="02070309020205020404" pitchFamily="49" charset="0"/>
+                <a:ea typeface="仿宋" panose="02010609060101010101" pitchFamily="49" charset="-122"/>
+                <a:cs typeface="Courier New" panose="02070309020205020404" pitchFamily="49" charset="0"/>
+              </a:rPr>
+              <a:t>主动打开</a:t>
+            </a:r>
+            <a:r>
+              <a:rPr lang="en-US" altLang="zh-CN" dirty="0">
+                <a:latin typeface="Courier New" panose="02070309020205020404" pitchFamily="49" charset="0"/>
+                <a:ea typeface="仿宋" panose="02010609060101010101" pitchFamily="49" charset="-122"/>
+                <a:cs typeface="Courier New" panose="02070309020205020404" pitchFamily="49" charset="0"/>
+              </a:rPr>
+              <a:t>SYN_SENT</a:t>
+            </a:r>
+            <a:endParaRPr lang="zh-CN" altLang="en-US" dirty="0">
+              <a:latin typeface="Courier New" panose="02070309020205020404" pitchFamily="49" charset="0"/>
+              <a:ea typeface="仿宋" panose="02010609060101010101" pitchFamily="49" charset="-122"/>
+              <a:cs typeface="Courier New" panose="02070309020205020404" pitchFamily="49" charset="0"/>
+            </a:endParaRPr>
+          </a:p>
+        </p:txBody>
+      </p:sp>
+      <p:cxnSp>
+        <p:nvCxnSpPr>
+          <p:cNvPr id="14" name="直接箭头连接符 13">
+            <a:extLst>
+              <a:ext uri="{FF2B5EF4-FFF2-40B4-BE49-F238E27FC236}">
+                <a16:creationId xmlns:a16="http://schemas.microsoft.com/office/drawing/2014/main" id="{FF5F9A97-4F58-4381-A9E1-D2C0A2797297}"/>
+              </a:ext>
+            </a:extLst>
+          </p:cNvPr>
+          <p:cNvCxnSpPr>
+            <a:cxnSpLocks/>
+          </p:cNvCxnSpPr>
+          <p:nvPr/>
+        </p:nvCxnSpPr>
+        <p:spPr>
+          <a:xfrm>
+            <a:off x="3719746" y="2339636"/>
+            <a:ext cx="3454895" cy="459559"/>
+          </a:xfrm>
+          <a:prstGeom prst="straightConnector1">
+            <a:avLst/>
+          </a:prstGeom>
+          <a:ln>
+            <a:tailEnd type="triangle"/>
+          </a:ln>
+        </p:spPr>
+        <p:style>
+          <a:lnRef idx="3">
+            <a:schemeClr val="dk1"/>
+          </a:lnRef>
+          <a:fillRef idx="0">
+            <a:schemeClr val="dk1"/>
+          </a:fillRef>
+          <a:effectRef idx="2">
+            <a:schemeClr val="dk1"/>
+          </a:effectRef>
+          <a:fontRef idx="minor">
+            <a:schemeClr val="tx1"/>
+          </a:fontRef>
+        </p:style>
+      </p:cxnSp>
+      <p:sp>
+        <p:nvSpPr>
+          <p:cNvPr id="20" name="文本框 19">
+            <a:extLst>
+              <a:ext uri="{FF2B5EF4-FFF2-40B4-BE49-F238E27FC236}">
+                <a16:creationId xmlns:a16="http://schemas.microsoft.com/office/drawing/2014/main" id="{D4A1C503-E1BF-496E-98AD-13673EF7B25F}"/>
+              </a:ext>
+            </a:extLst>
+          </p:cNvPr>
+          <p:cNvSpPr txBox="1"/>
+          <p:nvPr/>
+        </p:nvSpPr>
+        <p:spPr>
+          <a:xfrm rot="460384">
+            <a:off x="4472449" y="2206492"/>
+            <a:ext cx="2461287" cy="369332"/>
+          </a:xfrm>
+          <a:prstGeom prst="rect">
+            <a:avLst/>
+          </a:prstGeom>
+          <a:noFill/>
+        </p:spPr>
+        <p:txBody>
+          <a:bodyPr wrap="square" rtlCol="0">
+            <a:spAutoFit/>
+          </a:bodyPr>
+          <a:lstStyle/>
+          <a:p>
+            <a:r>
+              <a:rPr lang="en-US" altLang="zh-CN" dirty="0">
+                <a:latin typeface="Courier New" panose="02070309020205020404" pitchFamily="49" charset="0"/>
+                <a:ea typeface="仿宋" panose="02010609060101010101" pitchFamily="49" charset="-122"/>
+                <a:cs typeface="Courier New" panose="02070309020205020404" pitchFamily="49" charset="0"/>
+              </a:rPr>
+              <a:t>SYN=1, seq=x</a:t>
+            </a:r>
+            <a:endParaRPr lang="zh-CN" altLang="en-US" dirty="0">
+              <a:latin typeface="Courier New" panose="02070309020205020404" pitchFamily="49" charset="0"/>
+              <a:ea typeface="仿宋" panose="02010609060101010101" pitchFamily="49" charset="-122"/>
+              <a:cs typeface="Courier New" panose="02070309020205020404" pitchFamily="49" charset="0"/>
+            </a:endParaRPr>
+          </a:p>
+        </p:txBody>
+      </p:sp>
+      <p:cxnSp>
+        <p:nvCxnSpPr>
+          <p:cNvPr id="22" name="直接箭头连接符 21">
+            <a:extLst>
+              <a:ext uri="{FF2B5EF4-FFF2-40B4-BE49-F238E27FC236}">
+                <a16:creationId xmlns:a16="http://schemas.microsoft.com/office/drawing/2014/main" id="{23CA2A3D-5082-418D-9050-87AA0105300B}"/>
+              </a:ext>
+            </a:extLst>
+          </p:cNvPr>
+          <p:cNvCxnSpPr/>
+          <p:nvPr/>
+        </p:nvCxnSpPr>
+        <p:spPr>
+          <a:xfrm flipH="1">
+            <a:off x="3719747" y="3017486"/>
+            <a:ext cx="3454894" cy="725240"/>
+          </a:xfrm>
+          <a:prstGeom prst="straightConnector1">
+            <a:avLst/>
+          </a:prstGeom>
+          <a:ln>
+            <a:tailEnd type="triangle"/>
+          </a:ln>
+        </p:spPr>
+        <p:style>
+          <a:lnRef idx="3">
+            <a:schemeClr val="dk1"/>
+          </a:lnRef>
+          <a:fillRef idx="0">
+            <a:schemeClr val="dk1"/>
+          </a:fillRef>
+          <a:effectRef idx="2">
+            <a:schemeClr val="dk1"/>
+          </a:effectRef>
+          <a:fontRef idx="minor">
+            <a:schemeClr val="tx1"/>
+          </a:fontRef>
+        </p:style>
+      </p:cxnSp>
+      <p:sp>
+        <p:nvSpPr>
+          <p:cNvPr id="23" name="文本框 22">
+            <a:extLst>
+              <a:ext uri="{FF2B5EF4-FFF2-40B4-BE49-F238E27FC236}">
+                <a16:creationId xmlns:a16="http://schemas.microsoft.com/office/drawing/2014/main" id="{66D26474-F24D-4A14-A226-5604BB409B7E}"/>
+              </a:ext>
+            </a:extLst>
+          </p:cNvPr>
+          <p:cNvSpPr txBox="1"/>
+          <p:nvPr/>
+        </p:nvSpPr>
+        <p:spPr>
+          <a:xfrm rot="20926043">
+            <a:off x="4386584" y="3022712"/>
+            <a:ext cx="2465021" cy="369332"/>
+          </a:xfrm>
+          <a:prstGeom prst="rect">
+            <a:avLst/>
+          </a:prstGeom>
+          <a:noFill/>
+        </p:spPr>
+        <p:txBody>
+          <a:bodyPr wrap="square" rtlCol="0">
+            <a:spAutoFit/>
+          </a:bodyPr>
+          <a:lstStyle/>
+          <a:p>
+            <a:r>
+              <a:rPr lang="en-US" altLang="zh-CN" dirty="0">
+                <a:latin typeface="Courier New" panose="02070309020205020404" pitchFamily="49" charset="0"/>
+                <a:ea typeface="仿宋" panose="02010609060101010101" pitchFamily="49" charset="-122"/>
+                <a:cs typeface="Courier New" panose="02070309020205020404" pitchFamily="49" charset="0"/>
+              </a:rPr>
+              <a:t>SYN=1, ACK=1</a:t>
+            </a:r>
+            <a:endParaRPr lang="zh-CN" altLang="en-US" dirty="0">
+              <a:latin typeface="Courier New" panose="02070309020205020404" pitchFamily="49" charset="0"/>
+              <a:ea typeface="仿宋" panose="02010609060101010101" pitchFamily="49" charset="-122"/>
+              <a:cs typeface="Courier New" panose="02070309020205020404" pitchFamily="49" charset="0"/>
+            </a:endParaRPr>
+          </a:p>
+        </p:txBody>
+      </p:sp>
+      <p:sp>
+        <p:nvSpPr>
+          <p:cNvPr id="24" name="文本框 23">
+            <a:extLst>
+              <a:ext uri="{FF2B5EF4-FFF2-40B4-BE49-F238E27FC236}">
+                <a16:creationId xmlns:a16="http://schemas.microsoft.com/office/drawing/2014/main" id="{5D83A03F-5073-4334-8B2D-274023F65736}"/>
+              </a:ext>
+            </a:extLst>
+          </p:cNvPr>
+          <p:cNvSpPr txBox="1"/>
+          <p:nvPr/>
+        </p:nvSpPr>
+        <p:spPr>
+          <a:xfrm rot="20862543">
+            <a:off x="4388435" y="3288371"/>
+            <a:ext cx="2465021" cy="369332"/>
+          </a:xfrm>
+          <a:prstGeom prst="rect">
+            <a:avLst/>
+          </a:prstGeom>
+          <a:noFill/>
+        </p:spPr>
+        <p:txBody>
+          <a:bodyPr wrap="square" rtlCol="0">
+            <a:spAutoFit/>
+          </a:bodyPr>
+          <a:lstStyle/>
+          <a:p>
+            <a:r>
+              <a:rPr lang="en-US" altLang="zh-CN" dirty="0">
+                <a:latin typeface="Courier New" panose="02070309020205020404" pitchFamily="49" charset="0"/>
+                <a:ea typeface="仿宋" panose="02010609060101010101" pitchFamily="49" charset="-122"/>
+                <a:cs typeface="Courier New" panose="02070309020205020404" pitchFamily="49" charset="0"/>
+              </a:rPr>
+              <a:t>seq=u, ack=x+1</a:t>
+            </a:r>
+            <a:endParaRPr lang="zh-CN" altLang="en-US" dirty="0">
+              <a:latin typeface="Courier New" panose="02070309020205020404" pitchFamily="49" charset="0"/>
+              <a:ea typeface="仿宋" panose="02010609060101010101" pitchFamily="49" charset="-122"/>
+              <a:cs typeface="Courier New" panose="02070309020205020404" pitchFamily="49" charset="0"/>
+            </a:endParaRPr>
+          </a:p>
+        </p:txBody>
+      </p:sp>
+      <p:sp>
+        <p:nvSpPr>
+          <p:cNvPr id="25" name="文本框 24">
+            <a:extLst>
+              <a:ext uri="{FF2B5EF4-FFF2-40B4-BE49-F238E27FC236}">
+                <a16:creationId xmlns:a16="http://schemas.microsoft.com/office/drawing/2014/main" id="{C1C2F200-CE3E-45B4-9E5A-10AB06AE9B5F}"/>
+              </a:ext>
+            </a:extLst>
+          </p:cNvPr>
+          <p:cNvSpPr txBox="1"/>
+          <p:nvPr/>
+        </p:nvSpPr>
+        <p:spPr>
+          <a:xfrm>
+            <a:off x="2088602" y="3637454"/>
+            <a:ext cx="1788349" cy="369332"/>
+          </a:xfrm>
+          <a:prstGeom prst="rect">
+            <a:avLst/>
+          </a:prstGeom>
+          <a:noFill/>
+        </p:spPr>
+        <p:txBody>
+          <a:bodyPr wrap="square" rtlCol="0">
+            <a:spAutoFit/>
+          </a:bodyPr>
+          <a:lstStyle/>
+          <a:p>
+            <a:r>
+              <a:rPr lang="en-US" altLang="zh-CN" dirty="0">
+                <a:latin typeface="Courier New" panose="02070309020205020404" pitchFamily="49" charset="0"/>
+                <a:ea typeface="仿宋" panose="02010609060101010101" pitchFamily="49" charset="-122"/>
+                <a:cs typeface="Courier New" panose="02070309020205020404" pitchFamily="49" charset="0"/>
+              </a:rPr>
+              <a:t>ESTABLISHED</a:t>
+            </a:r>
+            <a:endParaRPr lang="zh-CN" altLang="en-US" dirty="0">
+              <a:latin typeface="Courier New" panose="02070309020205020404" pitchFamily="49" charset="0"/>
+              <a:ea typeface="仿宋" panose="02010609060101010101" pitchFamily="49" charset="-122"/>
+              <a:cs typeface="Courier New" panose="02070309020205020404" pitchFamily="49" charset="0"/>
+            </a:endParaRPr>
+          </a:p>
+        </p:txBody>
+      </p:sp>
+      <p:cxnSp>
+        <p:nvCxnSpPr>
+          <p:cNvPr id="26" name="直接箭头连接符 25">
+            <a:extLst>
+              <a:ext uri="{FF2B5EF4-FFF2-40B4-BE49-F238E27FC236}">
+                <a16:creationId xmlns:a16="http://schemas.microsoft.com/office/drawing/2014/main" id="{67B07F58-F95B-4F6B-949C-AF1220A38254}"/>
+              </a:ext>
+            </a:extLst>
+          </p:cNvPr>
+          <p:cNvCxnSpPr>
+            <a:cxnSpLocks/>
+          </p:cNvCxnSpPr>
+          <p:nvPr/>
+        </p:nvCxnSpPr>
+        <p:spPr>
+          <a:xfrm>
+            <a:off x="3719746" y="3915843"/>
+            <a:ext cx="3454895" cy="706711"/>
+          </a:xfrm>
+          <a:prstGeom prst="straightConnector1">
+            <a:avLst/>
+          </a:prstGeom>
+          <a:ln>
+            <a:tailEnd type="triangle"/>
+          </a:ln>
+        </p:spPr>
+        <p:style>
+          <a:lnRef idx="3">
+            <a:schemeClr val="dk1"/>
+          </a:lnRef>
+          <a:fillRef idx="0">
+            <a:schemeClr val="dk1"/>
+          </a:fillRef>
+          <a:effectRef idx="2">
+            <a:schemeClr val="dk1"/>
+          </a:effectRef>
+          <a:fontRef idx="minor">
+            <a:schemeClr val="tx1"/>
+          </a:fontRef>
+        </p:style>
+      </p:cxnSp>
+      <p:sp>
+        <p:nvSpPr>
+          <p:cNvPr id="27" name="文本框 26">
+            <a:extLst>
+              <a:ext uri="{FF2B5EF4-FFF2-40B4-BE49-F238E27FC236}">
+                <a16:creationId xmlns:a16="http://schemas.microsoft.com/office/drawing/2014/main" id="{BFE0F161-973D-48A6-A23F-0FCBB3183B77}"/>
+              </a:ext>
+            </a:extLst>
+          </p:cNvPr>
+          <p:cNvSpPr txBox="1"/>
+          <p:nvPr/>
+        </p:nvSpPr>
+        <p:spPr>
+          <a:xfrm rot="723695">
+            <a:off x="4999587" y="3965050"/>
+            <a:ext cx="1407010" cy="369332"/>
+          </a:xfrm>
+          <a:prstGeom prst="rect">
+            <a:avLst/>
+          </a:prstGeom>
+          <a:noFill/>
+        </p:spPr>
+        <p:txBody>
+          <a:bodyPr wrap="square" rtlCol="0">
+            <a:spAutoFit/>
+          </a:bodyPr>
+          <a:lstStyle/>
+          <a:p>
+            <a:r>
+              <a:rPr lang="en-US" altLang="zh-CN" dirty="0">
+                <a:latin typeface="Courier New" panose="02070309020205020404" pitchFamily="49" charset="0"/>
+                <a:ea typeface="仿宋" panose="02010609060101010101" pitchFamily="49" charset="-122"/>
+                <a:cs typeface="Courier New" panose="02070309020205020404" pitchFamily="49" charset="0"/>
+              </a:rPr>
+              <a:t>ACK=1</a:t>
+            </a:r>
+            <a:endParaRPr lang="zh-CN" altLang="en-US" dirty="0">
+              <a:latin typeface="Courier New" panose="02070309020205020404" pitchFamily="49" charset="0"/>
+              <a:ea typeface="仿宋" panose="02010609060101010101" pitchFamily="49" charset="-122"/>
+              <a:cs typeface="Courier New" panose="02070309020205020404" pitchFamily="49" charset="0"/>
+            </a:endParaRPr>
+          </a:p>
+        </p:txBody>
+      </p:sp>
+      <p:sp>
+        <p:nvSpPr>
+          <p:cNvPr id="28" name="文本框 27">
+            <a:extLst>
+              <a:ext uri="{FF2B5EF4-FFF2-40B4-BE49-F238E27FC236}">
+                <a16:creationId xmlns:a16="http://schemas.microsoft.com/office/drawing/2014/main" id="{7A88FAC6-3634-4B41-9078-D94A05680D8D}"/>
+              </a:ext>
+            </a:extLst>
+          </p:cNvPr>
+          <p:cNvSpPr txBox="1"/>
+          <p:nvPr/>
+        </p:nvSpPr>
+        <p:spPr>
+          <a:xfrm rot="650776">
+            <a:off x="4302029" y="4278241"/>
+            <a:ext cx="2413097" cy="369332"/>
+          </a:xfrm>
+          <a:prstGeom prst="rect">
+            <a:avLst/>
+          </a:prstGeom>
+          <a:noFill/>
+        </p:spPr>
+        <p:txBody>
+          <a:bodyPr wrap="square" rtlCol="0">
+            <a:spAutoFit/>
+          </a:bodyPr>
+          <a:lstStyle/>
+          <a:p>
+            <a:r>
+              <a:rPr lang="en-US" altLang="zh-CN" dirty="0">
+                <a:latin typeface="Courier New" panose="02070309020205020404" pitchFamily="49" charset="0"/>
+                <a:ea typeface="仿宋" panose="02010609060101010101" pitchFamily="49" charset="-122"/>
+                <a:cs typeface="Courier New" panose="02070309020205020404" pitchFamily="49" charset="0"/>
+              </a:rPr>
+              <a:t>seq=x+1, ack=u+1</a:t>
+            </a:r>
+            <a:endParaRPr lang="zh-CN" altLang="en-US" dirty="0">
+              <a:latin typeface="Courier New" panose="02070309020205020404" pitchFamily="49" charset="0"/>
+              <a:ea typeface="仿宋" panose="02010609060101010101" pitchFamily="49" charset="-122"/>
+              <a:cs typeface="Courier New" panose="02070309020205020404" pitchFamily="49" charset="0"/>
+            </a:endParaRPr>
+          </a:p>
+        </p:txBody>
+      </p:sp>
+      <p:sp>
+        <p:nvSpPr>
+          <p:cNvPr id="29" name="文本框 28">
+            <a:extLst>
+              <a:ext uri="{FF2B5EF4-FFF2-40B4-BE49-F238E27FC236}">
+                <a16:creationId xmlns:a16="http://schemas.microsoft.com/office/drawing/2014/main" id="{D7952084-E2D2-46C3-BB00-957A90D15CB7}"/>
+              </a:ext>
+            </a:extLst>
+          </p:cNvPr>
+          <p:cNvSpPr txBox="1"/>
+          <p:nvPr/>
+        </p:nvSpPr>
+        <p:spPr>
+          <a:xfrm>
+            <a:off x="7128061" y="4459556"/>
+            <a:ext cx="1739875" cy="369332"/>
+          </a:xfrm>
+          <a:prstGeom prst="rect">
+            <a:avLst/>
+          </a:prstGeom>
+          <a:noFill/>
+        </p:spPr>
+        <p:txBody>
+          <a:bodyPr wrap="square" rtlCol="0">
+            <a:spAutoFit/>
+          </a:bodyPr>
+          <a:lstStyle/>
+          <a:p>
+            <a:r>
+              <a:rPr lang="en-US" altLang="zh-CN" dirty="0">
+                <a:latin typeface="Courier New" panose="02070309020205020404" pitchFamily="49" charset="0"/>
+                <a:ea typeface="仿宋" panose="02010609060101010101" pitchFamily="49" charset="-122"/>
+                <a:cs typeface="Courier New" panose="02070309020205020404" pitchFamily="49" charset="0"/>
+              </a:rPr>
+              <a:t>ESTABLISHED</a:t>
+            </a:r>
+            <a:endParaRPr lang="zh-CN" altLang="en-US" dirty="0">
+              <a:latin typeface="Courier New" panose="02070309020205020404" pitchFamily="49" charset="0"/>
+              <a:ea typeface="仿宋" panose="02010609060101010101" pitchFamily="49" charset="-122"/>
+              <a:cs typeface="Courier New" panose="02070309020205020404" pitchFamily="49" charset="0"/>
+            </a:endParaRPr>
+          </a:p>
+        </p:txBody>
+      </p:sp>
+    </p:spTree>
+    <p:extLst>
+      <p:ext uri="{BB962C8B-B14F-4D97-AF65-F5344CB8AC3E}">
+        <p14:creationId xmlns:p14="http://schemas.microsoft.com/office/powerpoint/2010/main" val="1524838539"/>
+      </p:ext>
+    </p:extLst>
+  </p:cSld>
+  <p:clrMapOvr>
+    <a:masterClrMapping/>
+  </p:clrMapOvr>
+</p:sld>
+</file>
+
+<file path=ppt/slides/slide3.xml><?xml version="1.0" encoding="utf-8"?>
+<p:sld xmlns:a="http://schemas.openxmlformats.org/drawingml/2006/main" xmlns:r="http://schemas.openxmlformats.org/officeDocument/2006/relationships" xmlns:p="http://schemas.openxmlformats.org/presentationml/2006/main">
+  <p:cSld>
+    <p:spTree>
+      <p:nvGrpSpPr>
+        <p:cNvPr id="1" name=""/>
+        <p:cNvGrpSpPr/>
+        <p:nvPr/>
+      </p:nvGrpSpPr>
+      <p:grpSpPr>
+        <a:xfrm>
+          <a:off x="0" y="0"/>
+          <a:ext cx="0" cy="0"/>
+          <a:chOff x="0" y="0"/>
+          <a:chExt cx="0" cy="0"/>
+        </a:xfrm>
+      </p:grpSpPr>
+      <p:sp>
+        <p:nvSpPr>
+          <p:cNvPr id="4" name="矩形 3">
+            <a:extLst>
+              <a:ext uri="{FF2B5EF4-FFF2-40B4-BE49-F238E27FC236}">
+                <a16:creationId xmlns:a16="http://schemas.microsoft.com/office/drawing/2014/main" id="{0D0D8B3E-A7DF-46AF-8FBA-B39756FEDF0F}"/>
+              </a:ext>
+            </a:extLst>
+          </p:cNvPr>
+          <p:cNvSpPr/>
+          <p:nvPr/>
+        </p:nvSpPr>
+        <p:spPr>
+          <a:xfrm flipH="1">
+            <a:off x="3410357" y="1589104"/>
+            <a:ext cx="309387" cy="3879542"/>
+          </a:xfrm>
+          <a:prstGeom prst="rect">
+            <a:avLst/>
+          </a:prstGeom>
+        </p:spPr>
+        <p:style>
+          <a:lnRef idx="2">
+            <a:schemeClr val="dk1"/>
+          </a:lnRef>
+          <a:fillRef idx="1">
+            <a:schemeClr val="lt1"/>
+          </a:fillRef>
+          <a:effectRef idx="0">
+            <a:schemeClr val="dk1"/>
+          </a:effectRef>
+          <a:fontRef idx="minor">
+            <a:schemeClr val="dk1"/>
+          </a:fontRef>
+        </p:style>
+        <p:txBody>
+          <a:bodyPr rtlCol="0" anchor="ctr"/>
+          <a:lstStyle/>
+          <a:p>
+            <a:pPr algn="ctr"/>
+            <a:endParaRPr lang="zh-CN" altLang="en-US"/>
+          </a:p>
+        </p:txBody>
+      </p:sp>
+      <p:sp>
+        <p:nvSpPr>
+          <p:cNvPr id="5" name="矩形 4">
+            <a:extLst>
+              <a:ext uri="{FF2B5EF4-FFF2-40B4-BE49-F238E27FC236}">
+                <a16:creationId xmlns:a16="http://schemas.microsoft.com/office/drawing/2014/main" id="{6E13E402-48EB-4A26-84CC-818E9FB41FBA}"/>
+              </a:ext>
+            </a:extLst>
+          </p:cNvPr>
+          <p:cNvSpPr/>
+          <p:nvPr/>
+        </p:nvSpPr>
+        <p:spPr>
+          <a:xfrm>
+            <a:off x="7174641" y="1589104"/>
+            <a:ext cx="309387" cy="3879542"/>
+          </a:xfrm>
+          <a:prstGeom prst="rect">
+            <a:avLst/>
+          </a:prstGeom>
+        </p:spPr>
+        <p:style>
+          <a:lnRef idx="2">
+            <a:schemeClr val="dk1"/>
+          </a:lnRef>
+          <a:fillRef idx="1">
+            <a:schemeClr val="lt1"/>
+          </a:fillRef>
+          <a:effectRef idx="0">
+            <a:schemeClr val="dk1"/>
+          </a:effectRef>
+          <a:fontRef idx="minor">
+            <a:schemeClr val="dk1"/>
+          </a:fontRef>
+        </p:style>
+        <p:txBody>
+          <a:bodyPr rtlCol="0" anchor="ctr"/>
+          <a:lstStyle/>
+          <a:p>
+            <a:pPr algn="ctr"/>
+            <a:endParaRPr lang="zh-CN" altLang="en-US"/>
+          </a:p>
+        </p:txBody>
+      </p:sp>
+      <p:sp>
+        <p:nvSpPr>
+          <p:cNvPr id="6" name="文本框 5">
+            <a:extLst>
+              <a:ext uri="{FF2B5EF4-FFF2-40B4-BE49-F238E27FC236}">
+                <a16:creationId xmlns:a16="http://schemas.microsoft.com/office/drawing/2014/main" id="{895C5B89-D450-4F5B-9E9C-D9E454774C08}"/>
+              </a:ext>
+            </a:extLst>
+          </p:cNvPr>
+          <p:cNvSpPr txBox="1"/>
+          <p:nvPr/>
+        </p:nvSpPr>
+        <p:spPr>
+          <a:xfrm>
+            <a:off x="3027289" y="1083216"/>
+            <a:ext cx="1544710" cy="400110"/>
+          </a:xfrm>
+          <a:prstGeom prst="rect">
+            <a:avLst/>
+          </a:prstGeom>
+          <a:noFill/>
+        </p:spPr>
+        <p:txBody>
+          <a:bodyPr wrap="square" rtlCol="0">
+            <a:spAutoFit/>
+          </a:bodyPr>
+          <a:lstStyle/>
+          <a:p>
+            <a:r>
+              <a:rPr lang="en-US" altLang="zh-CN" sz="2000" b="1" dirty="0">
+                <a:latin typeface="Courier New" panose="02070309020205020404" pitchFamily="49" charset="0"/>
+                <a:ea typeface="仿宋" panose="02010609060101010101" pitchFamily="49" charset="-122"/>
+                <a:cs typeface="Courier New" panose="02070309020205020404" pitchFamily="49" charset="0"/>
+              </a:rPr>
+              <a:t>client</a:t>
+            </a:r>
+            <a:endParaRPr lang="zh-CN" altLang="en-US" sz="2000" b="1" dirty="0">
+              <a:latin typeface="Courier New" panose="02070309020205020404" pitchFamily="49" charset="0"/>
+              <a:ea typeface="仿宋" panose="02010609060101010101" pitchFamily="49" charset="-122"/>
+              <a:cs typeface="Courier New" panose="02070309020205020404" pitchFamily="49" charset="0"/>
+            </a:endParaRPr>
+          </a:p>
+        </p:txBody>
+      </p:sp>
+      <p:sp>
+        <p:nvSpPr>
+          <p:cNvPr id="7" name="文本框 6">
+            <a:extLst>
+              <a:ext uri="{FF2B5EF4-FFF2-40B4-BE49-F238E27FC236}">
+                <a16:creationId xmlns:a16="http://schemas.microsoft.com/office/drawing/2014/main" id="{65684DAF-BD4C-4F2C-8D57-EBE6B177B1AF}"/>
+              </a:ext>
+            </a:extLst>
+          </p:cNvPr>
+          <p:cNvSpPr txBox="1"/>
+          <p:nvPr/>
+        </p:nvSpPr>
+        <p:spPr>
+          <a:xfrm>
+            <a:off x="6784577" y="1080405"/>
+            <a:ext cx="1423382" cy="400110"/>
+          </a:xfrm>
+          <a:prstGeom prst="rect">
+            <a:avLst/>
+          </a:prstGeom>
+          <a:noFill/>
+        </p:spPr>
+        <p:txBody>
+          <a:bodyPr wrap="square" rtlCol="0">
+            <a:spAutoFit/>
+          </a:bodyPr>
+          <a:lstStyle/>
+          <a:p>
+            <a:r>
+              <a:rPr lang="en-US" altLang="zh-CN" sz="2000" b="1" dirty="0">
+                <a:latin typeface="Courier New" panose="02070309020205020404" pitchFamily="49" charset="0"/>
+                <a:ea typeface="仿宋" panose="02010609060101010101" pitchFamily="49" charset="-122"/>
+                <a:cs typeface="Courier New" panose="02070309020205020404" pitchFamily="49" charset="0"/>
+              </a:rPr>
+              <a:t>server</a:t>
+            </a:r>
+            <a:endParaRPr lang="zh-CN" altLang="en-US" sz="2000" b="1" dirty="0">
+              <a:latin typeface="Courier New" panose="02070309020205020404" pitchFamily="49" charset="0"/>
+              <a:ea typeface="仿宋" panose="02010609060101010101" pitchFamily="49" charset="-122"/>
+              <a:cs typeface="Courier New" panose="02070309020205020404" pitchFamily="49" charset="0"/>
+            </a:endParaRPr>
+          </a:p>
+        </p:txBody>
+      </p:sp>
+      <p:sp>
+        <p:nvSpPr>
+          <p:cNvPr id="8" name="文本框 7">
+            <a:extLst>
+              <a:ext uri="{FF2B5EF4-FFF2-40B4-BE49-F238E27FC236}">
+                <a16:creationId xmlns:a16="http://schemas.microsoft.com/office/drawing/2014/main" id="{C98F9436-1617-42A1-8E7C-AED642CA1AE2}"/>
+              </a:ext>
+            </a:extLst>
+          </p:cNvPr>
+          <p:cNvSpPr txBox="1"/>
+          <p:nvPr/>
+        </p:nvSpPr>
+        <p:spPr>
+          <a:xfrm>
+            <a:off x="7299486" y="2041371"/>
+            <a:ext cx="1739875" cy="646331"/>
+          </a:xfrm>
+          <a:prstGeom prst="rect">
+            <a:avLst/>
+          </a:prstGeom>
+          <a:noFill/>
+        </p:spPr>
+        <p:txBody>
+          <a:bodyPr wrap="square" rtlCol="0">
+            <a:spAutoFit/>
+          </a:bodyPr>
+          <a:lstStyle/>
+          <a:p>
+            <a:pPr algn="ctr"/>
+            <a:r>
+              <a:rPr lang="zh-CN" altLang="en-US" dirty="0">
+                <a:latin typeface="Courier New" panose="02070309020205020404" pitchFamily="49" charset="0"/>
+                <a:ea typeface="仿宋" panose="02010609060101010101" pitchFamily="49" charset="-122"/>
+                <a:cs typeface="Courier New" panose="02070309020205020404" pitchFamily="49" charset="0"/>
+              </a:rPr>
+              <a:t>被动关闭</a:t>
+            </a:r>
+            <a:r>
+              <a:rPr lang="en-US" altLang="zh-CN" dirty="0">
+                <a:latin typeface="Courier New" panose="02070309020205020404" pitchFamily="49" charset="0"/>
+                <a:ea typeface="仿宋" panose="02010609060101010101" pitchFamily="49" charset="-122"/>
+                <a:cs typeface="Courier New" panose="02070309020205020404" pitchFamily="49" charset="0"/>
+              </a:rPr>
+              <a:t>CLOSE_WAIT</a:t>
+            </a:r>
+            <a:endParaRPr lang="zh-CN" altLang="en-US" dirty="0">
+              <a:latin typeface="Courier New" panose="02070309020205020404" pitchFamily="49" charset="0"/>
+              <a:ea typeface="仿宋" panose="02010609060101010101" pitchFamily="49" charset="-122"/>
+              <a:cs typeface="Courier New" panose="02070309020205020404" pitchFamily="49" charset="0"/>
+            </a:endParaRPr>
+          </a:p>
+        </p:txBody>
+      </p:sp>
+      <p:sp>
+        <p:nvSpPr>
+          <p:cNvPr id="10" name="文本框 9">
+            <a:extLst>
+              <a:ext uri="{FF2B5EF4-FFF2-40B4-BE49-F238E27FC236}">
+                <a16:creationId xmlns:a16="http://schemas.microsoft.com/office/drawing/2014/main" id="{3EE0733D-C1CC-4DE4-A2D1-6C7550F0AAF3}"/>
+              </a:ext>
+            </a:extLst>
+          </p:cNvPr>
+          <p:cNvSpPr txBox="1"/>
+          <p:nvPr/>
+        </p:nvSpPr>
+        <p:spPr>
+          <a:xfrm>
+            <a:off x="1948290" y="1502999"/>
+            <a:ext cx="1896320" cy="369332"/>
+          </a:xfrm>
+          <a:prstGeom prst="rect">
+            <a:avLst/>
+          </a:prstGeom>
+          <a:noFill/>
+        </p:spPr>
+        <p:txBody>
+          <a:bodyPr wrap="square" rtlCol="0">
+            <a:spAutoFit/>
+          </a:bodyPr>
+          <a:lstStyle/>
+          <a:p>
+            <a:r>
+              <a:rPr lang="en-US" altLang="zh-CN" dirty="0">
+                <a:latin typeface="Courier New" panose="02070309020205020404" pitchFamily="49" charset="0"/>
+                <a:ea typeface="仿宋" panose="02010609060101010101" pitchFamily="49" charset="-122"/>
+                <a:cs typeface="Courier New" panose="02070309020205020404" pitchFamily="49" charset="0"/>
+              </a:rPr>
+              <a:t>established</a:t>
+            </a:r>
+            <a:endParaRPr lang="zh-CN" altLang="en-US" dirty="0">
+              <a:latin typeface="Courier New" panose="02070309020205020404" pitchFamily="49" charset="0"/>
+              <a:ea typeface="仿宋" panose="02010609060101010101" pitchFamily="49" charset="-122"/>
+              <a:cs typeface="Courier New" panose="02070309020205020404" pitchFamily="49" charset="0"/>
+            </a:endParaRPr>
+          </a:p>
+        </p:txBody>
+      </p:sp>
+      <p:sp>
+        <p:nvSpPr>
+          <p:cNvPr id="11" name="文本框 10">
+            <a:extLst>
+              <a:ext uri="{FF2B5EF4-FFF2-40B4-BE49-F238E27FC236}">
+                <a16:creationId xmlns:a16="http://schemas.microsoft.com/office/drawing/2014/main" id="{C1F5A3C8-49EB-4873-BA63-4240660975D7}"/>
+              </a:ext>
+            </a:extLst>
+          </p:cNvPr>
+          <p:cNvSpPr txBox="1"/>
+          <p:nvPr/>
+        </p:nvSpPr>
+        <p:spPr>
+          <a:xfrm>
+            <a:off x="1771317" y="1894225"/>
+            <a:ext cx="1896320" cy="646331"/>
+          </a:xfrm>
+          <a:prstGeom prst="rect">
+            <a:avLst/>
+          </a:prstGeom>
+          <a:noFill/>
+        </p:spPr>
+        <p:txBody>
+          <a:bodyPr wrap="square" rtlCol="0">
+            <a:spAutoFit/>
+          </a:bodyPr>
+          <a:lstStyle/>
+          <a:p>
+            <a:pPr algn="ctr"/>
+            <a:r>
+              <a:rPr lang="zh-CN" altLang="en-US" dirty="0">
+                <a:latin typeface="Courier New" panose="02070309020205020404" pitchFamily="49" charset="0"/>
+                <a:ea typeface="仿宋" panose="02010609060101010101" pitchFamily="49" charset="-122"/>
+                <a:cs typeface="Courier New" panose="02070309020205020404" pitchFamily="49" charset="0"/>
+              </a:rPr>
+              <a:t>主动关闭</a:t>
+            </a:r>
+            <a:r>
+              <a:rPr lang="en-US" altLang="zh-CN" dirty="0">
+                <a:latin typeface="Courier New" panose="02070309020205020404" pitchFamily="49" charset="0"/>
+                <a:ea typeface="仿宋" panose="02010609060101010101" pitchFamily="49" charset="-122"/>
+                <a:cs typeface="Courier New" panose="02070309020205020404" pitchFamily="49" charset="0"/>
+              </a:rPr>
+              <a:t>FIN_WAIT_1</a:t>
+            </a:r>
+            <a:endParaRPr lang="zh-CN" altLang="en-US" dirty="0">
+              <a:latin typeface="Courier New" panose="02070309020205020404" pitchFamily="49" charset="0"/>
+              <a:ea typeface="仿宋" panose="02010609060101010101" pitchFamily="49" charset="-122"/>
+              <a:cs typeface="Courier New" panose="02070309020205020404" pitchFamily="49" charset="0"/>
+            </a:endParaRPr>
+          </a:p>
+        </p:txBody>
+      </p:sp>
+      <p:cxnSp>
+        <p:nvCxnSpPr>
+          <p:cNvPr id="14" name="直接箭头连接符 13">
+            <a:extLst>
+              <a:ext uri="{FF2B5EF4-FFF2-40B4-BE49-F238E27FC236}">
+                <a16:creationId xmlns:a16="http://schemas.microsoft.com/office/drawing/2014/main" id="{FF5F9A97-4F58-4381-A9E1-D2C0A2797297}"/>
+              </a:ext>
+            </a:extLst>
+          </p:cNvPr>
+          <p:cNvCxnSpPr>
+            <a:cxnSpLocks/>
+          </p:cNvCxnSpPr>
+          <p:nvPr/>
+        </p:nvCxnSpPr>
+        <p:spPr>
+          <a:xfrm>
+            <a:off x="3716639" y="2215681"/>
+            <a:ext cx="3466880" cy="253866"/>
+          </a:xfrm>
+          <a:prstGeom prst="straightConnector1">
+            <a:avLst/>
+          </a:prstGeom>
+          <a:ln>
+            <a:tailEnd type="triangle"/>
+          </a:ln>
+        </p:spPr>
+        <p:style>
+          <a:lnRef idx="3">
+            <a:schemeClr val="dk1"/>
+          </a:lnRef>
+          <a:fillRef idx="0">
+            <a:schemeClr val="dk1"/>
+          </a:fillRef>
+          <a:effectRef idx="2">
+            <a:schemeClr val="dk1"/>
+          </a:effectRef>
+          <a:fontRef idx="minor">
+            <a:schemeClr val="tx1"/>
+          </a:fontRef>
+        </p:style>
+      </p:cxnSp>
+      <p:sp>
+        <p:nvSpPr>
+          <p:cNvPr id="20" name="文本框 19">
+            <a:extLst>
+              <a:ext uri="{FF2B5EF4-FFF2-40B4-BE49-F238E27FC236}">
+                <a16:creationId xmlns:a16="http://schemas.microsoft.com/office/drawing/2014/main" id="{D4A1C503-E1BF-496E-98AD-13673EF7B25F}"/>
+              </a:ext>
+            </a:extLst>
+          </p:cNvPr>
+          <p:cNvSpPr txBox="1"/>
+          <p:nvPr/>
+        </p:nvSpPr>
+        <p:spPr>
+          <a:xfrm rot="296017">
+            <a:off x="4437977" y="1960855"/>
+            <a:ext cx="2413097" cy="369332"/>
+          </a:xfrm>
+          <a:prstGeom prst="rect">
+            <a:avLst/>
+          </a:prstGeom>
+          <a:noFill/>
+        </p:spPr>
+        <p:txBody>
+          <a:bodyPr wrap="square" rtlCol="0">
+            <a:spAutoFit/>
+          </a:bodyPr>
+          <a:lstStyle/>
+          <a:p>
+            <a:r>
+              <a:rPr lang="en-US" altLang="zh-CN" dirty="0">
+                <a:latin typeface="Courier New" panose="02070309020205020404" pitchFamily="49" charset="0"/>
+                <a:ea typeface="仿宋" panose="02010609060101010101" pitchFamily="49" charset="-122"/>
+                <a:cs typeface="Courier New" panose="02070309020205020404" pitchFamily="49" charset="0"/>
+              </a:rPr>
+              <a:t>FIN=1, seq=x</a:t>
+            </a:r>
+            <a:endParaRPr lang="zh-CN" altLang="en-US" dirty="0">
+              <a:latin typeface="Courier New" panose="02070309020205020404" pitchFamily="49" charset="0"/>
+              <a:ea typeface="仿宋" panose="02010609060101010101" pitchFamily="49" charset="-122"/>
+              <a:cs typeface="Courier New" panose="02070309020205020404" pitchFamily="49" charset="0"/>
+            </a:endParaRPr>
+          </a:p>
+        </p:txBody>
+      </p:sp>
+      <p:cxnSp>
+        <p:nvCxnSpPr>
+          <p:cNvPr id="22" name="直接箭头连接符 21">
+            <a:extLst>
+              <a:ext uri="{FF2B5EF4-FFF2-40B4-BE49-F238E27FC236}">
+                <a16:creationId xmlns:a16="http://schemas.microsoft.com/office/drawing/2014/main" id="{23CA2A3D-5082-418D-9050-87AA0105300B}"/>
+              </a:ext>
+            </a:extLst>
+          </p:cNvPr>
+          <p:cNvCxnSpPr/>
+          <p:nvPr/>
+        </p:nvCxnSpPr>
+        <p:spPr>
+          <a:xfrm flipH="1">
+            <a:off x="3719793" y="2546580"/>
+            <a:ext cx="3454894" cy="725240"/>
+          </a:xfrm>
+          <a:prstGeom prst="straightConnector1">
+            <a:avLst/>
+          </a:prstGeom>
+          <a:ln>
+            <a:tailEnd type="triangle"/>
+          </a:ln>
+        </p:spPr>
+        <p:style>
+          <a:lnRef idx="3">
+            <a:schemeClr val="dk1"/>
+          </a:lnRef>
+          <a:fillRef idx="0">
+            <a:schemeClr val="dk1"/>
+          </a:fillRef>
+          <a:effectRef idx="2">
+            <a:schemeClr val="dk1"/>
+          </a:effectRef>
+          <a:fontRef idx="minor">
+            <a:schemeClr val="tx1"/>
+          </a:fontRef>
+        </p:style>
+      </p:cxnSp>
+      <p:sp>
+        <p:nvSpPr>
+          <p:cNvPr id="23" name="文本框 22">
+            <a:extLst>
+              <a:ext uri="{FF2B5EF4-FFF2-40B4-BE49-F238E27FC236}">
+                <a16:creationId xmlns:a16="http://schemas.microsoft.com/office/drawing/2014/main" id="{66D26474-F24D-4A14-A226-5604BB409B7E}"/>
+              </a:ext>
+            </a:extLst>
+          </p:cNvPr>
+          <p:cNvSpPr txBox="1"/>
+          <p:nvPr/>
+        </p:nvSpPr>
+        <p:spPr>
+          <a:xfrm rot="20862543">
+            <a:off x="4837602" y="2584567"/>
+            <a:ext cx="1002276" cy="369332"/>
+          </a:xfrm>
+          <a:prstGeom prst="rect">
+            <a:avLst/>
+          </a:prstGeom>
+          <a:noFill/>
+        </p:spPr>
+        <p:txBody>
+          <a:bodyPr wrap="square" rtlCol="0">
+            <a:spAutoFit/>
+          </a:bodyPr>
+          <a:lstStyle/>
+          <a:p>
+            <a:r>
+              <a:rPr lang="en-US" altLang="zh-CN" dirty="0">
+                <a:latin typeface="Courier New" panose="02070309020205020404" pitchFamily="49" charset="0"/>
+                <a:ea typeface="仿宋" panose="02010609060101010101" pitchFamily="49" charset="-122"/>
+                <a:cs typeface="Courier New" panose="02070309020205020404" pitchFamily="49" charset="0"/>
+              </a:rPr>
+              <a:t>ACK=1</a:t>
+            </a:r>
+            <a:endParaRPr lang="zh-CN" altLang="en-US" dirty="0">
+              <a:latin typeface="Courier New" panose="02070309020205020404" pitchFamily="49" charset="0"/>
+              <a:ea typeface="仿宋" panose="02010609060101010101" pitchFamily="49" charset="-122"/>
+              <a:cs typeface="Courier New" panose="02070309020205020404" pitchFamily="49" charset="0"/>
+            </a:endParaRPr>
+          </a:p>
+        </p:txBody>
+      </p:sp>
+      <p:sp>
+        <p:nvSpPr>
+          <p:cNvPr id="24" name="文本框 23">
+            <a:extLst>
+              <a:ext uri="{FF2B5EF4-FFF2-40B4-BE49-F238E27FC236}">
+                <a16:creationId xmlns:a16="http://schemas.microsoft.com/office/drawing/2014/main" id="{5D83A03F-5073-4334-8B2D-274023F65736}"/>
+              </a:ext>
+            </a:extLst>
+          </p:cNvPr>
+          <p:cNvSpPr txBox="1"/>
+          <p:nvPr/>
+        </p:nvSpPr>
+        <p:spPr>
+          <a:xfrm rot="20862543">
+            <a:off x="4388783" y="2858393"/>
+            <a:ext cx="2465021" cy="369332"/>
+          </a:xfrm>
+          <a:prstGeom prst="rect">
+            <a:avLst/>
+          </a:prstGeom>
+          <a:noFill/>
+        </p:spPr>
+        <p:txBody>
+          <a:bodyPr wrap="square" rtlCol="0">
+            <a:spAutoFit/>
+          </a:bodyPr>
+          <a:lstStyle/>
+          <a:p>
+            <a:r>
+              <a:rPr lang="en-US" altLang="zh-CN" dirty="0">
+                <a:latin typeface="Courier New" panose="02070309020205020404" pitchFamily="49" charset="0"/>
+                <a:ea typeface="仿宋" panose="02010609060101010101" pitchFamily="49" charset="-122"/>
+                <a:cs typeface="Courier New" panose="02070309020205020404" pitchFamily="49" charset="0"/>
+              </a:rPr>
+              <a:t>seq=u, ack=x+1</a:t>
+            </a:r>
+            <a:endParaRPr lang="zh-CN" altLang="en-US" dirty="0">
+              <a:latin typeface="Courier New" panose="02070309020205020404" pitchFamily="49" charset="0"/>
+              <a:ea typeface="仿宋" panose="02010609060101010101" pitchFamily="49" charset="-122"/>
+              <a:cs typeface="Courier New" panose="02070309020205020404" pitchFamily="49" charset="0"/>
+            </a:endParaRPr>
+          </a:p>
+        </p:txBody>
+      </p:sp>
+      <p:sp>
+        <p:nvSpPr>
+          <p:cNvPr id="25" name="文本框 24">
+            <a:extLst>
+              <a:ext uri="{FF2B5EF4-FFF2-40B4-BE49-F238E27FC236}">
+                <a16:creationId xmlns:a16="http://schemas.microsoft.com/office/drawing/2014/main" id="{C1C2F200-CE3E-45B4-9E5A-10AB06AE9B5F}"/>
+              </a:ext>
+            </a:extLst>
+          </p:cNvPr>
+          <p:cNvSpPr txBox="1"/>
+          <p:nvPr/>
+        </p:nvSpPr>
+        <p:spPr>
+          <a:xfrm>
+            <a:off x="1928290" y="3116533"/>
+            <a:ext cx="1788349" cy="369332"/>
+          </a:xfrm>
+          <a:prstGeom prst="rect">
+            <a:avLst/>
+          </a:prstGeom>
+          <a:noFill/>
+        </p:spPr>
+        <p:txBody>
+          <a:bodyPr wrap="square" rtlCol="0">
+            <a:spAutoFit/>
+          </a:bodyPr>
+          <a:lstStyle/>
+          <a:p>
+            <a:r>
+              <a:rPr lang="en-US" altLang="zh-CN" dirty="0">
+                <a:latin typeface="Courier New" panose="02070309020205020404" pitchFamily="49" charset="0"/>
+                <a:ea typeface="仿宋" panose="02010609060101010101" pitchFamily="49" charset="-122"/>
+                <a:cs typeface="Courier New" panose="02070309020205020404" pitchFamily="49" charset="0"/>
+              </a:rPr>
+              <a:t>FIN_WAIT_2</a:t>
+            </a:r>
+            <a:endParaRPr lang="zh-CN" altLang="en-US" dirty="0">
+              <a:latin typeface="Courier New" panose="02070309020205020404" pitchFamily="49" charset="0"/>
+              <a:ea typeface="仿宋" panose="02010609060101010101" pitchFamily="49" charset="-122"/>
+              <a:cs typeface="Courier New" panose="02070309020205020404" pitchFamily="49" charset="0"/>
+            </a:endParaRPr>
+          </a:p>
+        </p:txBody>
+      </p:sp>
+      <p:cxnSp>
+        <p:nvCxnSpPr>
+          <p:cNvPr id="26" name="直接箭头连接符 25">
+            <a:extLst>
+              <a:ext uri="{FF2B5EF4-FFF2-40B4-BE49-F238E27FC236}">
+                <a16:creationId xmlns:a16="http://schemas.microsoft.com/office/drawing/2014/main" id="{67B07F58-F95B-4F6B-949C-AF1220A38254}"/>
+              </a:ext>
+            </a:extLst>
+          </p:cNvPr>
+          <p:cNvCxnSpPr>
+            <a:cxnSpLocks/>
+          </p:cNvCxnSpPr>
+          <p:nvPr/>
+        </p:nvCxnSpPr>
+        <p:spPr>
+          <a:xfrm>
+            <a:off x="3728625" y="4318980"/>
+            <a:ext cx="3389198" cy="542037"/>
+          </a:xfrm>
+          <a:prstGeom prst="straightConnector1">
+            <a:avLst/>
+          </a:prstGeom>
+          <a:ln>
+            <a:tailEnd type="triangle"/>
+          </a:ln>
+        </p:spPr>
+        <p:style>
+          <a:lnRef idx="3">
+            <a:schemeClr val="dk1"/>
+          </a:lnRef>
+          <a:fillRef idx="0">
+            <a:schemeClr val="dk1"/>
+          </a:fillRef>
+          <a:effectRef idx="2">
+            <a:schemeClr val="dk1"/>
+          </a:effectRef>
+          <a:fontRef idx="minor">
+            <a:schemeClr val="tx1"/>
+          </a:fontRef>
+        </p:style>
+      </p:cxnSp>
+      <p:sp>
+        <p:nvSpPr>
+          <p:cNvPr id="27" name="文本框 26">
+            <a:extLst>
+              <a:ext uri="{FF2B5EF4-FFF2-40B4-BE49-F238E27FC236}">
+                <a16:creationId xmlns:a16="http://schemas.microsoft.com/office/drawing/2014/main" id="{BFE0F161-973D-48A6-A23F-0FCBB3183B77}"/>
+              </a:ext>
+            </a:extLst>
+          </p:cNvPr>
+          <p:cNvSpPr txBox="1"/>
+          <p:nvPr/>
+        </p:nvSpPr>
+        <p:spPr>
+          <a:xfrm rot="487416">
+            <a:off x="5095128" y="4271933"/>
+            <a:ext cx="1407010" cy="369332"/>
+          </a:xfrm>
+          <a:prstGeom prst="rect">
+            <a:avLst/>
+          </a:prstGeom>
+          <a:noFill/>
+        </p:spPr>
+        <p:txBody>
+          <a:bodyPr wrap="square" rtlCol="0">
+            <a:spAutoFit/>
+          </a:bodyPr>
+          <a:lstStyle/>
+          <a:p>
+            <a:r>
+              <a:rPr lang="en-US" altLang="zh-CN" dirty="0">
+                <a:latin typeface="Courier New" panose="02070309020205020404" pitchFamily="49" charset="0"/>
+                <a:ea typeface="仿宋" panose="02010609060101010101" pitchFamily="49" charset="-122"/>
+                <a:cs typeface="Courier New" panose="02070309020205020404" pitchFamily="49" charset="0"/>
+              </a:rPr>
+              <a:t>ACK=1</a:t>
+            </a:r>
+            <a:endParaRPr lang="zh-CN" altLang="en-US" dirty="0">
+              <a:latin typeface="Courier New" panose="02070309020205020404" pitchFamily="49" charset="0"/>
+              <a:ea typeface="仿宋" panose="02010609060101010101" pitchFamily="49" charset="-122"/>
+              <a:cs typeface="Courier New" panose="02070309020205020404" pitchFamily="49" charset="0"/>
+            </a:endParaRPr>
+          </a:p>
+        </p:txBody>
+      </p:sp>
+      <p:sp>
+        <p:nvSpPr>
+          <p:cNvPr id="28" name="文本框 27">
+            <a:extLst>
+              <a:ext uri="{FF2B5EF4-FFF2-40B4-BE49-F238E27FC236}">
+                <a16:creationId xmlns:a16="http://schemas.microsoft.com/office/drawing/2014/main" id="{7A88FAC6-3634-4B41-9078-D94A05680D8D}"/>
+              </a:ext>
+            </a:extLst>
+          </p:cNvPr>
+          <p:cNvSpPr txBox="1"/>
+          <p:nvPr/>
+        </p:nvSpPr>
+        <p:spPr>
+          <a:xfrm rot="558247">
+            <a:off x="4457670" y="4615978"/>
+            <a:ext cx="2413097" cy="369332"/>
+          </a:xfrm>
+          <a:prstGeom prst="rect">
+            <a:avLst/>
+          </a:prstGeom>
+          <a:noFill/>
+        </p:spPr>
+        <p:txBody>
+          <a:bodyPr wrap="square" rtlCol="0">
+            <a:spAutoFit/>
+          </a:bodyPr>
+          <a:lstStyle/>
+          <a:p>
+            <a:r>
+              <a:rPr lang="en-US" altLang="zh-CN" dirty="0">
+                <a:latin typeface="Courier New" panose="02070309020205020404" pitchFamily="49" charset="0"/>
+                <a:ea typeface="仿宋" panose="02010609060101010101" pitchFamily="49" charset="-122"/>
+                <a:cs typeface="Courier New" panose="02070309020205020404" pitchFamily="49" charset="0"/>
+              </a:rPr>
+              <a:t>seq=x+1, ack=v+1</a:t>
+            </a:r>
+            <a:endParaRPr lang="zh-CN" altLang="en-US" dirty="0">
+              <a:latin typeface="Courier New" panose="02070309020205020404" pitchFamily="49" charset="0"/>
+              <a:ea typeface="仿宋" panose="02010609060101010101" pitchFamily="49" charset="-122"/>
+              <a:cs typeface="Courier New" panose="02070309020205020404" pitchFamily="49" charset="0"/>
+            </a:endParaRPr>
+          </a:p>
+        </p:txBody>
+      </p:sp>
+      <p:sp>
+        <p:nvSpPr>
+          <p:cNvPr id="29" name="文本框 28">
+            <a:extLst>
+              <a:ext uri="{FF2B5EF4-FFF2-40B4-BE49-F238E27FC236}">
+                <a16:creationId xmlns:a16="http://schemas.microsoft.com/office/drawing/2014/main" id="{D7952084-E2D2-46C3-BB00-957A90D15CB7}"/>
+              </a:ext>
+            </a:extLst>
+          </p:cNvPr>
+          <p:cNvSpPr txBox="1"/>
+          <p:nvPr/>
+        </p:nvSpPr>
+        <p:spPr>
+          <a:xfrm>
+            <a:off x="7484028" y="4676351"/>
+            <a:ext cx="1739875" cy="369332"/>
+          </a:xfrm>
+          <a:prstGeom prst="rect">
+            <a:avLst/>
+          </a:prstGeom>
+          <a:noFill/>
+        </p:spPr>
+        <p:txBody>
+          <a:bodyPr wrap="square" rtlCol="0">
+            <a:spAutoFit/>
+          </a:bodyPr>
+          <a:lstStyle/>
+          <a:p>
+            <a:r>
+              <a:rPr lang="en-US" altLang="zh-CN" dirty="0">
+                <a:latin typeface="Courier New" panose="02070309020205020404" pitchFamily="49" charset="0"/>
+                <a:ea typeface="仿宋" panose="02010609060101010101" pitchFamily="49" charset="-122"/>
+                <a:cs typeface="Courier New" panose="02070309020205020404" pitchFamily="49" charset="0"/>
+              </a:rPr>
+              <a:t>CLOSED</a:t>
+            </a:r>
+            <a:endParaRPr lang="zh-CN" altLang="en-US" dirty="0">
+              <a:latin typeface="Courier New" panose="02070309020205020404" pitchFamily="49" charset="0"/>
+              <a:ea typeface="仿宋" panose="02010609060101010101" pitchFamily="49" charset="-122"/>
+              <a:cs typeface="Courier New" panose="02070309020205020404" pitchFamily="49" charset="0"/>
+            </a:endParaRPr>
+          </a:p>
+        </p:txBody>
+      </p:sp>
+      <p:sp>
+        <p:nvSpPr>
+          <p:cNvPr id="21" name="文本框 20">
+            <a:extLst>
+              <a:ext uri="{FF2B5EF4-FFF2-40B4-BE49-F238E27FC236}">
+                <a16:creationId xmlns:a16="http://schemas.microsoft.com/office/drawing/2014/main" id="{27A2A916-2646-4EAC-88DA-56261444C833}"/>
+              </a:ext>
+            </a:extLst>
+          </p:cNvPr>
+          <p:cNvSpPr txBox="1"/>
+          <p:nvPr/>
+        </p:nvSpPr>
+        <p:spPr>
+          <a:xfrm>
+            <a:off x="7117823" y="1475544"/>
+            <a:ext cx="1896320" cy="369332"/>
+          </a:xfrm>
+          <a:prstGeom prst="rect">
+            <a:avLst/>
+          </a:prstGeom>
+          <a:noFill/>
+        </p:spPr>
+        <p:txBody>
+          <a:bodyPr wrap="square" rtlCol="0">
+            <a:spAutoFit/>
+          </a:bodyPr>
+          <a:lstStyle/>
+          <a:p>
+            <a:r>
+              <a:rPr lang="en-US" altLang="zh-CN" dirty="0">
+                <a:latin typeface="Courier New" panose="02070309020205020404" pitchFamily="49" charset="0"/>
+                <a:ea typeface="仿宋" panose="02010609060101010101" pitchFamily="49" charset="-122"/>
+                <a:cs typeface="Courier New" panose="02070309020205020404" pitchFamily="49" charset="0"/>
+              </a:rPr>
+              <a:t>established</a:t>
+            </a:r>
+            <a:endParaRPr lang="zh-CN" altLang="en-US" dirty="0">
+              <a:latin typeface="Courier New" panose="02070309020205020404" pitchFamily="49" charset="0"/>
+              <a:ea typeface="仿宋" panose="02010609060101010101" pitchFamily="49" charset="-122"/>
+              <a:cs typeface="Courier New" panose="02070309020205020404" pitchFamily="49" charset="0"/>
+            </a:endParaRPr>
+          </a:p>
+        </p:txBody>
+      </p:sp>
+      <p:cxnSp>
+        <p:nvCxnSpPr>
+          <p:cNvPr id="30" name="直接箭头连接符 29">
+            <a:extLst>
+              <a:ext uri="{FF2B5EF4-FFF2-40B4-BE49-F238E27FC236}">
+                <a16:creationId xmlns:a16="http://schemas.microsoft.com/office/drawing/2014/main" id="{BF575C4F-CC2C-4493-8FDD-0C7AAD6B4777}"/>
+              </a:ext>
+            </a:extLst>
+          </p:cNvPr>
+          <p:cNvCxnSpPr/>
+          <p:nvPr/>
+        </p:nvCxnSpPr>
+        <p:spPr>
+          <a:xfrm flipH="1">
+            <a:off x="3730150" y="3302662"/>
+            <a:ext cx="3454894" cy="725240"/>
+          </a:xfrm>
+          <a:prstGeom prst="straightConnector1">
+            <a:avLst/>
+          </a:prstGeom>
+          <a:ln>
+            <a:tailEnd type="triangle"/>
+          </a:ln>
+        </p:spPr>
+        <p:style>
+          <a:lnRef idx="3">
+            <a:schemeClr val="dk1"/>
+          </a:lnRef>
+          <a:fillRef idx="0">
+            <a:schemeClr val="dk1"/>
+          </a:fillRef>
+          <a:effectRef idx="2">
+            <a:schemeClr val="dk1"/>
+          </a:effectRef>
+          <a:fontRef idx="minor">
+            <a:schemeClr val="tx1"/>
+          </a:fontRef>
+        </p:style>
+      </p:cxnSp>
+      <p:sp>
+        <p:nvSpPr>
+          <p:cNvPr id="31" name="文本框 30">
+            <a:extLst>
+              <a:ext uri="{FF2B5EF4-FFF2-40B4-BE49-F238E27FC236}">
+                <a16:creationId xmlns:a16="http://schemas.microsoft.com/office/drawing/2014/main" id="{FD051D74-A04D-4461-A573-07EE0ECBFB6E}"/>
+              </a:ext>
+            </a:extLst>
+          </p:cNvPr>
+          <p:cNvSpPr txBox="1"/>
+          <p:nvPr/>
+        </p:nvSpPr>
+        <p:spPr>
+          <a:xfrm rot="20862543">
+            <a:off x="4630637" y="3282643"/>
+            <a:ext cx="1983265" cy="369332"/>
+          </a:xfrm>
+          <a:prstGeom prst="rect">
+            <a:avLst/>
+          </a:prstGeom>
+          <a:noFill/>
+        </p:spPr>
+        <p:txBody>
+          <a:bodyPr wrap="square" rtlCol="0">
+            <a:spAutoFit/>
+          </a:bodyPr>
+          <a:lstStyle/>
+          <a:p>
+            <a:r>
+              <a:rPr lang="en-US" altLang="zh-CN" dirty="0">
+                <a:latin typeface="Courier New" panose="02070309020205020404" pitchFamily="49" charset="0"/>
+                <a:ea typeface="仿宋" panose="02010609060101010101" pitchFamily="49" charset="-122"/>
+                <a:cs typeface="Courier New" panose="02070309020205020404" pitchFamily="49" charset="0"/>
+              </a:rPr>
+              <a:t>FIN=1, ACK=1</a:t>
+            </a:r>
+            <a:endParaRPr lang="zh-CN" altLang="en-US" dirty="0">
+              <a:latin typeface="Courier New" panose="02070309020205020404" pitchFamily="49" charset="0"/>
+              <a:ea typeface="仿宋" panose="02010609060101010101" pitchFamily="49" charset="-122"/>
+              <a:cs typeface="Courier New" panose="02070309020205020404" pitchFamily="49" charset="0"/>
+            </a:endParaRPr>
+          </a:p>
+        </p:txBody>
+      </p:sp>
+      <p:sp>
+        <p:nvSpPr>
+          <p:cNvPr id="32" name="文本框 31">
+            <a:extLst>
+              <a:ext uri="{FF2B5EF4-FFF2-40B4-BE49-F238E27FC236}">
+                <a16:creationId xmlns:a16="http://schemas.microsoft.com/office/drawing/2014/main" id="{D768DFC3-C424-4A0B-8059-04432E0FEC0C}"/>
+              </a:ext>
+            </a:extLst>
+          </p:cNvPr>
+          <p:cNvSpPr txBox="1"/>
+          <p:nvPr/>
+        </p:nvSpPr>
+        <p:spPr>
+          <a:xfrm rot="20862543">
+            <a:off x="4455307" y="3571075"/>
+            <a:ext cx="2465021" cy="369332"/>
+          </a:xfrm>
+          <a:prstGeom prst="rect">
+            <a:avLst/>
+          </a:prstGeom>
+          <a:noFill/>
+        </p:spPr>
+        <p:txBody>
+          <a:bodyPr wrap="square" rtlCol="0">
+            <a:spAutoFit/>
+          </a:bodyPr>
+          <a:lstStyle/>
+          <a:p>
+            <a:r>
+              <a:rPr lang="en-US" altLang="zh-CN" dirty="0">
+                <a:latin typeface="Courier New" panose="02070309020205020404" pitchFamily="49" charset="0"/>
+                <a:ea typeface="仿宋" panose="02010609060101010101" pitchFamily="49" charset="-122"/>
+                <a:cs typeface="Courier New" panose="02070309020205020404" pitchFamily="49" charset="0"/>
+              </a:rPr>
+              <a:t>seq=v, ack=x+1</a:t>
+            </a:r>
+            <a:endParaRPr lang="zh-CN" altLang="en-US" dirty="0">
+              <a:latin typeface="Courier New" panose="02070309020205020404" pitchFamily="49" charset="0"/>
+              <a:ea typeface="仿宋" panose="02010609060101010101" pitchFamily="49" charset="-122"/>
+              <a:cs typeface="Courier New" panose="02070309020205020404" pitchFamily="49" charset="0"/>
+            </a:endParaRPr>
+          </a:p>
+        </p:txBody>
+      </p:sp>
+      <p:sp>
+        <p:nvSpPr>
+          <p:cNvPr id="33" name="文本框 32">
+            <a:extLst>
+              <a:ext uri="{FF2B5EF4-FFF2-40B4-BE49-F238E27FC236}">
+                <a16:creationId xmlns:a16="http://schemas.microsoft.com/office/drawing/2014/main" id="{B01505C4-ABFD-49EE-8324-5792AC7AE0F0}"/>
+              </a:ext>
+            </a:extLst>
+          </p:cNvPr>
+          <p:cNvSpPr txBox="1"/>
+          <p:nvPr/>
+        </p:nvSpPr>
+        <p:spPr>
+          <a:xfrm>
+            <a:off x="2004134" y="3911819"/>
+            <a:ext cx="1529468" cy="369332"/>
+          </a:xfrm>
+          <a:prstGeom prst="rect">
+            <a:avLst/>
+          </a:prstGeom>
+          <a:noFill/>
+        </p:spPr>
+        <p:txBody>
+          <a:bodyPr wrap="square" rtlCol="0">
+            <a:spAutoFit/>
+          </a:bodyPr>
+          <a:lstStyle/>
+          <a:p>
+            <a:pPr algn="ctr"/>
+            <a:r>
+              <a:rPr lang="en-US" altLang="zh-CN" dirty="0">
+                <a:latin typeface="Courier New" panose="02070309020205020404" pitchFamily="49" charset="0"/>
+                <a:ea typeface="仿宋" panose="02010609060101010101" pitchFamily="49" charset="-122"/>
+                <a:cs typeface="Courier New" panose="02070309020205020404" pitchFamily="49" charset="0"/>
+              </a:rPr>
+              <a:t>TIME_WAIT</a:t>
+            </a:r>
+            <a:endParaRPr lang="zh-CN" altLang="en-US" dirty="0">
+              <a:latin typeface="Courier New" panose="02070309020205020404" pitchFamily="49" charset="0"/>
+              <a:ea typeface="仿宋" panose="02010609060101010101" pitchFamily="49" charset="-122"/>
+              <a:cs typeface="Courier New" panose="02070309020205020404" pitchFamily="49" charset="0"/>
+            </a:endParaRPr>
+          </a:p>
+        </p:txBody>
+      </p:sp>
+      <p:sp>
+        <p:nvSpPr>
+          <p:cNvPr id="34" name="文本框 33">
+            <a:extLst>
+              <a:ext uri="{FF2B5EF4-FFF2-40B4-BE49-F238E27FC236}">
+                <a16:creationId xmlns:a16="http://schemas.microsoft.com/office/drawing/2014/main" id="{1E66C0AE-55A5-42CB-8E9D-E56A808D1DFF}"/>
+              </a:ext>
+            </a:extLst>
+          </p:cNvPr>
+          <p:cNvSpPr txBox="1"/>
+          <p:nvPr/>
+        </p:nvSpPr>
+        <p:spPr>
+          <a:xfrm>
+            <a:off x="7219085" y="3080693"/>
+            <a:ext cx="1739875" cy="369332"/>
+          </a:xfrm>
+          <a:prstGeom prst="rect">
+            <a:avLst/>
+          </a:prstGeom>
+          <a:noFill/>
+        </p:spPr>
+        <p:txBody>
+          <a:bodyPr wrap="square" rtlCol="0">
+            <a:spAutoFit/>
+          </a:bodyPr>
+          <a:lstStyle/>
+          <a:p>
+            <a:pPr algn="ctr"/>
+            <a:r>
+              <a:rPr lang="en-US" altLang="zh-CN" dirty="0">
+                <a:latin typeface="Courier New" panose="02070309020205020404" pitchFamily="49" charset="0"/>
+                <a:ea typeface="仿宋" panose="02010609060101010101" pitchFamily="49" charset="-122"/>
+                <a:cs typeface="Courier New" panose="02070309020205020404" pitchFamily="49" charset="0"/>
+              </a:rPr>
+              <a:t>LAST_ACK</a:t>
+            </a:r>
+            <a:endParaRPr lang="zh-CN" altLang="en-US" dirty="0">
+              <a:latin typeface="Courier New" panose="02070309020205020404" pitchFamily="49" charset="0"/>
+              <a:ea typeface="仿宋" panose="02010609060101010101" pitchFamily="49" charset="-122"/>
+              <a:cs typeface="Courier New" panose="02070309020205020404" pitchFamily="49" charset="0"/>
+            </a:endParaRPr>
+          </a:p>
+        </p:txBody>
+      </p:sp>
+      <p:cxnSp>
+        <p:nvCxnSpPr>
+          <p:cNvPr id="19" name="直接连接符 18">
+            <a:extLst>
+              <a:ext uri="{FF2B5EF4-FFF2-40B4-BE49-F238E27FC236}">
+                <a16:creationId xmlns:a16="http://schemas.microsoft.com/office/drawing/2014/main" id="{B9F4F18D-12EF-4A56-B531-6ACEB69C11C1}"/>
+              </a:ext>
+            </a:extLst>
+          </p:cNvPr>
+          <p:cNvCxnSpPr>
+            <a:cxnSpLocks/>
+          </p:cNvCxnSpPr>
+          <p:nvPr/>
+        </p:nvCxnSpPr>
+        <p:spPr>
+          <a:xfrm>
+            <a:off x="2215203" y="4174374"/>
+            <a:ext cx="0" cy="1003575"/>
+          </a:xfrm>
+          <a:prstGeom prst="line">
+            <a:avLst/>
+          </a:prstGeom>
+        </p:spPr>
+        <p:style>
+          <a:lnRef idx="1">
+            <a:schemeClr val="dk1"/>
+          </a:lnRef>
+          <a:fillRef idx="0">
+            <a:schemeClr val="dk1"/>
+          </a:fillRef>
+          <a:effectRef idx="0">
+            <a:schemeClr val="dk1"/>
+          </a:effectRef>
+          <a:fontRef idx="minor">
+            <a:schemeClr val="tx1"/>
+          </a:fontRef>
+        </p:style>
+      </p:cxnSp>
+      <p:cxnSp>
+        <p:nvCxnSpPr>
+          <p:cNvPr id="38" name="直接箭头连接符 37">
+            <a:extLst>
+              <a:ext uri="{FF2B5EF4-FFF2-40B4-BE49-F238E27FC236}">
+                <a16:creationId xmlns:a16="http://schemas.microsoft.com/office/drawing/2014/main" id="{21CE185F-B817-412C-9ABC-FF9628C04BAE}"/>
+              </a:ext>
+            </a:extLst>
+          </p:cNvPr>
+          <p:cNvCxnSpPr>
+            <a:cxnSpLocks/>
+          </p:cNvCxnSpPr>
+          <p:nvPr/>
+        </p:nvCxnSpPr>
+        <p:spPr>
+          <a:xfrm>
+            <a:off x="2215203" y="5177949"/>
+            <a:ext cx="1195154" cy="0"/>
+          </a:xfrm>
+          <a:prstGeom prst="straightConnector1">
+            <a:avLst/>
+          </a:prstGeom>
+          <a:ln>
+            <a:tailEnd type="triangle"/>
+          </a:ln>
+        </p:spPr>
+        <p:style>
+          <a:lnRef idx="1">
+            <a:schemeClr val="dk1"/>
+          </a:lnRef>
+          <a:fillRef idx="0">
+            <a:schemeClr val="dk1"/>
+          </a:fillRef>
+          <a:effectRef idx="0">
+            <a:schemeClr val="dk1"/>
+          </a:effectRef>
+          <a:fontRef idx="minor">
+            <a:schemeClr val="tx1"/>
+          </a:fontRef>
+        </p:style>
+      </p:cxnSp>
+      <p:sp>
+        <p:nvSpPr>
+          <p:cNvPr id="44" name="文本框 43">
+            <a:extLst>
+              <a:ext uri="{FF2B5EF4-FFF2-40B4-BE49-F238E27FC236}">
+                <a16:creationId xmlns:a16="http://schemas.microsoft.com/office/drawing/2014/main" id="{74D36889-2D2D-4663-83E7-0B9B6E92A32E}"/>
+              </a:ext>
+            </a:extLst>
+          </p:cNvPr>
+          <p:cNvSpPr txBox="1"/>
+          <p:nvPr/>
+        </p:nvSpPr>
+        <p:spPr>
+          <a:xfrm>
+            <a:off x="2320324" y="4581915"/>
+            <a:ext cx="1110383" cy="923330"/>
+          </a:xfrm>
+          <a:prstGeom prst="rect">
+            <a:avLst/>
+          </a:prstGeom>
+          <a:noFill/>
+        </p:spPr>
+        <p:txBody>
+          <a:bodyPr wrap="square" rtlCol="0">
+            <a:spAutoFit/>
+          </a:bodyPr>
+          <a:lstStyle/>
+          <a:p>
+            <a:r>
+              <a:rPr lang="zh-CN" altLang="en-US" dirty="0">
+                <a:latin typeface="Courier New" panose="02070309020205020404" pitchFamily="49" charset="0"/>
+                <a:ea typeface="仿宋" panose="02010609060101010101" pitchFamily="49" charset="-122"/>
+                <a:cs typeface="Courier New" panose="02070309020205020404" pitchFamily="49" charset="0"/>
+              </a:rPr>
+              <a:t>等待</a:t>
+            </a:r>
+            <a:r>
+              <a:rPr lang="en-US" altLang="zh-CN" dirty="0">
+                <a:latin typeface="Courier New" panose="02070309020205020404" pitchFamily="49" charset="0"/>
+                <a:ea typeface="仿宋" panose="02010609060101010101" pitchFamily="49" charset="-122"/>
+                <a:cs typeface="Courier New" panose="02070309020205020404" pitchFamily="49" charset="0"/>
+              </a:rPr>
+              <a:t>2MSL</a:t>
+            </a:r>
+          </a:p>
+          <a:p>
+            <a:r>
+              <a:rPr lang="en-US" altLang="zh-CN" dirty="0">
+                <a:latin typeface="Courier New" panose="02070309020205020404" pitchFamily="49" charset="0"/>
+                <a:ea typeface="仿宋" panose="02010609060101010101" pitchFamily="49" charset="-122"/>
+                <a:cs typeface="Courier New" panose="02070309020205020404" pitchFamily="49" charset="0"/>
+              </a:rPr>
+              <a:t>CLOSED</a:t>
+            </a:r>
+            <a:endParaRPr lang="zh-CN" altLang="en-US" dirty="0">
+              <a:latin typeface="Courier New" panose="02070309020205020404" pitchFamily="49" charset="0"/>
+              <a:ea typeface="仿宋" panose="02010609060101010101" pitchFamily="49" charset="-122"/>
+              <a:cs typeface="Courier New" panose="02070309020205020404" pitchFamily="49" charset="0"/>
+            </a:endParaRPr>
+          </a:p>
+        </p:txBody>
+      </p:sp>
+    </p:spTree>
+    <p:extLst>
+      <p:ext uri="{BB962C8B-B14F-4D97-AF65-F5344CB8AC3E}">
+        <p14:creationId xmlns:p14="http://schemas.microsoft.com/office/powerpoint/2010/main" val="3847859493"/>
+      </p:ext>
+    </p:extLst>
+  </p:cSld>
+  <p:clrMapOvr>
+    <a:masterClrMapping/>
+  </p:clrMapOvr>
+</p:sld>
+</file>
+
+<file path=ppt/slides/slide4.xml><?xml version="1.0" encoding="utf-8"?>
+<p:sld xmlns:a="http://schemas.openxmlformats.org/drawingml/2006/main" xmlns:r="http://schemas.openxmlformats.org/officeDocument/2006/relationships" xmlns:p="http://schemas.openxmlformats.org/presentationml/2006/main">
+  <p:cSld>
+    <p:spTree>
+      <p:nvGrpSpPr>
+        <p:cNvPr id="1" name=""/>
+        <p:cNvGrpSpPr/>
+        <p:nvPr/>
+      </p:nvGrpSpPr>
+      <p:grpSpPr>
+        <a:xfrm>
+          <a:off x="0" y="0"/>
+          <a:ext cx="0" cy="0"/>
+          <a:chOff x="0" y="0"/>
+          <a:chExt cx="0" cy="0"/>
+        </a:xfrm>
+      </p:grpSpPr>
+      <p:sp>
+        <p:nvSpPr>
           <p:cNvPr id="2" name="标题 1">
             <a:extLst>
               <a:ext uri="{FF2B5EF4-FFF2-40B4-BE49-F238E27FC236}">
-                <a16:creationId xmlns:a16="http://schemas.microsoft.com/office/drawing/2014/main" id="{1C3BEBA1-1D0F-4506-B076-81EB776F999B}"/>
+                <a16:creationId xmlns:a16="http://schemas.microsoft.com/office/drawing/2014/main" id="{BCAD4218-9925-4EC6-A34D-6859B27E533A}"/>
               </a:ext>
             </a:extLst>
           </p:cNvPr>
@@ -4836,7 +6854,7 @@
           <p:cNvPr id="3" name="内容占位符 2">
             <a:extLst>
               <a:ext uri="{FF2B5EF4-FFF2-40B4-BE49-F238E27FC236}">
-                <a16:creationId xmlns:a16="http://schemas.microsoft.com/office/drawing/2014/main" id="{959B8B47-65B8-49F6-9EF8-2661C530C3A0}"/>
+                <a16:creationId xmlns:a16="http://schemas.microsoft.com/office/drawing/2014/main" id="{A858F05C-4C31-4491-999C-874E20EFB3C3}"/>
               </a:ext>
             </a:extLst>
           </p:cNvPr>
@@ -4859,7 +6877,7 @@
     </p:spTree>
     <p:extLst>
       <p:ext uri="{BB962C8B-B14F-4D97-AF65-F5344CB8AC3E}">
-        <p14:creationId xmlns:p14="http://schemas.microsoft.com/office/powerpoint/2010/main" val="1524838539"/>
+        <p14:creationId xmlns:p14="http://schemas.microsoft.com/office/powerpoint/2010/main" val="4030523323"/>
       </p:ext>
     </p:extLst>
   </p:cSld>
